--- a/PPT.pptx
+++ b/PPT.pptx
@@ -3798,7 +3798,7 @@
         <p:spPr>
           <a:xfrm>
             <a:off x="2724150" y="5706844"/>
-            <a:ext cx="7562850" cy="646331"/>
+            <a:ext cx="7562850" cy="923330"/>
           </a:xfrm>
           <a:prstGeom prst="rect">
             <a:avLst/>
@@ -3836,7 +3836,18 @@
             </a:r>
             <a:r>
               <a:rPr kumimoji="1" lang="zh-CN" altLang="en-US" dirty="0"/>
-              <a:t>的（用户、物品）组合进行优化</a:t>
+              <a:t>的（用户，物品）组合进行优化；</a:t>
+            </a:r>
+            <a:endParaRPr kumimoji="1" lang="en-US" altLang="zh-CN" dirty="0"/>
+          </a:p>
+          <a:p>
+            <a:pPr marL="285750" indent="-285750">
+              <a:buFont typeface="Wingdings" pitchFamily="2" charset="2"/>
+              <a:buChar char="Ø"/>
+            </a:pPr>
+            <a:r>
+              <a:rPr kumimoji="1" lang="zh-CN" altLang="en-US" dirty="0"/>
+              <a:t>细节：算法优化是针对每一个（用户，物品，评分）三元组进行的</a:t>
             </a:r>
           </a:p>
         </p:txBody>
@@ -4532,7 +4543,19 @@
           <a:p>
             <a:r>
               <a:rPr kumimoji="1" lang="zh-CN" altLang="en-US" dirty="0"/>
-              <a:t>必做：</a:t>
+              <a:t>必做（邮箱：</a:t>
+            </a:r>
+            <a:r>
+              <a:rPr lang="en" altLang="zh-CN" b="0" i="0" u="none" strike="noStrike" dirty="0">
+                <a:effectLst/>
+                <a:latin typeface="-apple-system"/>
+                <a:hlinkClick r:id="rId2"/>
+              </a:rPr>
+              <a:t> 52245903002@stu.ecnu.edu.cn </a:t>
+            </a:r>
+            <a:r>
+              <a:rPr kumimoji="1" lang="zh-CN" altLang="en-US" dirty="0"/>
+              <a:t>）：</a:t>
             </a:r>
             <a:endParaRPr kumimoji="1" lang="en-US" altLang="zh-CN" dirty="0"/>
           </a:p>
@@ -4543,15 +4566,23 @@
             </a:pPr>
             <a:r>
               <a:rPr kumimoji="1" lang="zh-CN" altLang="en-US" dirty="0"/>
-              <a:t>完成基于矩阵分解的推荐系统项目代码（</a:t>
-            </a:r>
-            <a:r>
-              <a:rPr kumimoji="1" lang="en-US" altLang="zh-CN" dirty="0"/>
+              <a:t>完成基于矩阵分解的推荐系统项目代码</a:t>
+            </a:r>
+            <a:r>
+              <a:rPr kumimoji="1" lang="zh-CN" altLang="en-US" b="1" dirty="0"/>
+              <a:t>（</a:t>
+            </a:r>
+            <a:r>
+              <a:rPr kumimoji="1" lang="en-US" altLang="zh-CN" b="1" dirty="0"/>
               <a:t>zip</a:t>
             </a:r>
             <a:r>
+              <a:rPr kumimoji="1" lang="zh-CN" altLang="en-US" b="1" dirty="0"/>
+              <a:t>）</a:t>
+            </a:r>
+            <a:r>
               <a:rPr kumimoji="1" lang="zh-CN" altLang="en-US" dirty="0"/>
-              <a:t>），包括：随机梯度下降、批量梯度下降、正则化、协同过滤等；</a:t>
+              <a:t>，包括：随机梯度下降、批量梯度下降、正则化、协同过滤等；</a:t>
             </a:r>
             <a:endParaRPr kumimoji="1" lang="en-US" altLang="zh-CN" dirty="0"/>
           </a:p>
@@ -4562,15 +4593,23 @@
             </a:pPr>
             <a:r>
               <a:rPr kumimoji="1" lang="zh-CN" altLang="en-US" dirty="0"/>
-              <a:t>完成实验报告（</a:t>
-            </a:r>
-            <a:r>
-              <a:rPr kumimoji="1" lang="en-US" altLang="zh-CN" dirty="0"/>
+              <a:t>完成实验报告</a:t>
+            </a:r>
+            <a:r>
+              <a:rPr kumimoji="1" lang="zh-CN" altLang="en-US" b="1" dirty="0"/>
+              <a:t>（</a:t>
+            </a:r>
+            <a:r>
+              <a:rPr kumimoji="1" lang="en-US" altLang="zh-CN" b="1" dirty="0"/>
               <a:t>pdf</a:t>
             </a:r>
             <a:r>
+              <a:rPr kumimoji="1" lang="zh-CN" altLang="en-US" b="1" dirty="0"/>
+              <a:t>）</a:t>
+            </a:r>
+            <a:r>
               <a:rPr kumimoji="1" lang="zh-CN" altLang="en-US" dirty="0"/>
-              <a:t>）；</a:t>
+              <a:t>；</a:t>
             </a:r>
             <a:endParaRPr kumimoji="1" lang="en-US" altLang="zh-CN" dirty="0"/>
           </a:p>
@@ -4610,7 +4649,7 @@
             </a:r>
             <a:r>
               <a:rPr kumimoji="1" lang="en" altLang="zh-CN" dirty="0">
-                <a:hlinkClick r:id="rId2"/>
+                <a:hlinkClick r:id="rId3"/>
               </a:rPr>
               <a:t> https://www.kaggle.com/competitions/dase-recsys/overview</a:t>
             </a:r>
